--- a/doc/JALicense.pptx
+++ b/doc/JALicense.pptx
@@ -5,8 +5,10 @@
     <p:sldMasterId id="2147483648" r:id="rId1"/>
   </p:sldMasterIdLst>
   <p:sldIdLst>
-    <p:sldId id="256" r:id="rId2"/>
-    <p:sldId id="257" r:id="rId3"/>
+    <p:sldId id="258" r:id="rId2"/>
+    <p:sldId id="256" r:id="rId3"/>
+    <p:sldId id="257" r:id="rId4"/>
+    <p:sldId id="260" r:id="rId5"/>
   </p:sldIdLst>
   <p:sldSz cx="12192000" cy="6858000"/>
   <p:notesSz cx="6858000" cy="9144000"/>
@@ -271,7 +273,7 @@
           <a:p>
             <a:fld id="{5654DEC7-2792-104F-96D1-7257FC62F91B}" type="datetimeFigureOut">
               <a:rPr kumimoji="1" lang="ja-JP" altLang="en-US" smtClean="0"/>
-              <a:t>2023/12/11</a:t>
+              <a:t>2023/12/13</a:t>
             </a:fld>
             <a:endParaRPr kumimoji="1" lang="ja-JP" altLang="en-US"/>
           </a:p>
@@ -501,7 +503,7 @@
           <a:p>
             <a:fld id="{5654DEC7-2792-104F-96D1-7257FC62F91B}" type="datetimeFigureOut">
               <a:rPr kumimoji="1" lang="ja-JP" altLang="en-US" smtClean="0"/>
-              <a:t>2023/12/11</a:t>
+              <a:t>2023/12/13</a:t>
             </a:fld>
             <a:endParaRPr kumimoji="1" lang="ja-JP" altLang="en-US"/>
           </a:p>
@@ -741,7 +743,7 @@
           <a:p>
             <a:fld id="{5654DEC7-2792-104F-96D1-7257FC62F91B}" type="datetimeFigureOut">
               <a:rPr kumimoji="1" lang="ja-JP" altLang="en-US" smtClean="0"/>
-              <a:t>2023/12/11</a:t>
+              <a:t>2023/12/13</a:t>
             </a:fld>
             <a:endParaRPr kumimoji="1" lang="ja-JP" altLang="en-US"/>
           </a:p>
@@ -971,7 +973,7 @@
           <a:p>
             <a:fld id="{5654DEC7-2792-104F-96D1-7257FC62F91B}" type="datetimeFigureOut">
               <a:rPr kumimoji="1" lang="ja-JP" altLang="en-US" smtClean="0"/>
-              <a:t>2023/12/11</a:t>
+              <a:t>2023/12/13</a:t>
             </a:fld>
             <a:endParaRPr kumimoji="1" lang="ja-JP" altLang="en-US"/>
           </a:p>
@@ -1246,7 +1248,7 @@
           <a:p>
             <a:fld id="{5654DEC7-2792-104F-96D1-7257FC62F91B}" type="datetimeFigureOut">
               <a:rPr kumimoji="1" lang="ja-JP" altLang="en-US" smtClean="0"/>
-              <a:t>2023/12/11</a:t>
+              <a:t>2023/12/13</a:t>
             </a:fld>
             <a:endParaRPr kumimoji="1" lang="ja-JP" altLang="en-US"/>
           </a:p>
@@ -1575,7 +1577,7 @@
           <a:p>
             <a:fld id="{5654DEC7-2792-104F-96D1-7257FC62F91B}" type="datetimeFigureOut">
               <a:rPr kumimoji="1" lang="ja-JP" altLang="en-US" smtClean="0"/>
-              <a:t>2023/12/11</a:t>
+              <a:t>2023/12/13</a:t>
             </a:fld>
             <a:endParaRPr kumimoji="1" lang="ja-JP" altLang="en-US"/>
           </a:p>
@@ -2051,7 +2053,7 @@
           <a:p>
             <a:fld id="{5654DEC7-2792-104F-96D1-7257FC62F91B}" type="datetimeFigureOut">
               <a:rPr kumimoji="1" lang="ja-JP" altLang="en-US" smtClean="0"/>
-              <a:t>2023/12/11</a:t>
+              <a:t>2023/12/13</a:t>
             </a:fld>
             <a:endParaRPr kumimoji="1" lang="ja-JP" altLang="en-US"/>
           </a:p>
@@ -2192,7 +2194,7 @@
           <a:p>
             <a:fld id="{5654DEC7-2792-104F-96D1-7257FC62F91B}" type="datetimeFigureOut">
               <a:rPr kumimoji="1" lang="ja-JP" altLang="en-US" smtClean="0"/>
-              <a:t>2023/12/11</a:t>
+              <a:t>2023/12/13</a:t>
             </a:fld>
             <a:endParaRPr kumimoji="1" lang="ja-JP" altLang="en-US"/>
           </a:p>
@@ -2305,7 +2307,7 @@
           <a:p>
             <a:fld id="{5654DEC7-2792-104F-96D1-7257FC62F91B}" type="datetimeFigureOut">
               <a:rPr kumimoji="1" lang="ja-JP" altLang="en-US" smtClean="0"/>
-              <a:t>2023/12/11</a:t>
+              <a:t>2023/12/13</a:t>
             </a:fld>
             <a:endParaRPr kumimoji="1" lang="ja-JP" altLang="en-US"/>
           </a:p>
@@ -2648,7 +2650,7 @@
           <a:p>
             <a:fld id="{5654DEC7-2792-104F-96D1-7257FC62F91B}" type="datetimeFigureOut">
               <a:rPr kumimoji="1" lang="ja-JP" altLang="en-US" smtClean="0"/>
-              <a:t>2023/12/11</a:t>
+              <a:t>2023/12/13</a:t>
             </a:fld>
             <a:endParaRPr kumimoji="1" lang="ja-JP" altLang="en-US"/>
           </a:p>
@@ -2936,7 +2938,7 @@
           <a:p>
             <a:fld id="{5654DEC7-2792-104F-96D1-7257FC62F91B}" type="datetimeFigureOut">
               <a:rPr kumimoji="1" lang="ja-JP" altLang="en-US" smtClean="0"/>
-              <a:t>2023/12/11</a:t>
+              <a:t>2023/12/13</a:t>
             </a:fld>
             <a:endParaRPr kumimoji="1" lang="ja-JP" altLang="en-US"/>
           </a:p>
@@ -3209,7 +3211,7 @@
           <a:p>
             <a:fld id="{5654DEC7-2792-104F-96D1-7257FC62F91B}" type="datetimeFigureOut">
               <a:rPr kumimoji="1" lang="ja-JP" altLang="en-US" smtClean="0"/>
-              <a:t>2023/12/11</a:t>
+              <a:t>2023/12/13</a:t>
             </a:fld>
             <a:endParaRPr kumimoji="1" lang="ja-JP" altLang="en-US"/>
           </a:p>
@@ -3640,7 +3642,7 @@
         </p:nvSpPr>
         <p:spPr>
           <a:xfrm>
-            <a:off x="853410" y="674913"/>
+            <a:off x="1011004" y="674913"/>
             <a:ext cx="3560975" cy="923330"/>
           </a:xfrm>
           <a:prstGeom prst="rect">
@@ -3690,8 +3692,76 @@
         </p:blipFill>
         <p:spPr>
           <a:xfrm>
-            <a:off x="1385097" y="3429000"/>
+            <a:off x="1728149" y="3861003"/>
             <a:ext cx="3390846" cy="2212946"/>
+          </a:xfrm>
+          <a:prstGeom prst="rect">
+            <a:avLst/>
+          </a:prstGeom>
+        </p:spPr>
+      </p:pic>
+      <p:sp>
+        <p:nvSpPr>
+          <p:cNvPr id="16" name="テキスト ボックス 15">
+            <a:extLst>
+              <a:ext uri="{FF2B5EF4-FFF2-40B4-BE49-F238E27FC236}">
+                <a16:creationId xmlns:a16="http://schemas.microsoft.com/office/drawing/2014/main" id="{AAB775F4-4FD7-4F53-1570-9710A07AC6A7}"/>
+              </a:ext>
+            </a:extLst>
+          </p:cNvPr>
+          <p:cNvSpPr txBox="1"/>
+          <p:nvPr/>
+        </p:nvSpPr>
+        <p:spPr>
+          <a:xfrm>
+            <a:off x="1542691" y="1598243"/>
+            <a:ext cx="3005951" cy="400110"/>
+          </a:xfrm>
+          <a:prstGeom prst="rect">
+            <a:avLst/>
+          </a:prstGeom>
+          <a:noFill/>
+        </p:spPr>
+        <p:txBody>
+          <a:bodyPr wrap="none" rtlCol="0">
+            <a:spAutoFit/>
+          </a:bodyPr>
+          <a:lstStyle/>
+          <a:p>
+            <a:r>
+              <a:rPr kumimoji="1" lang="ja-JP" altLang="en-US" sz="2000">
+                <a:latin typeface="Hiragino Kaku Gothic ProN W3" panose="020B0300000000000000" pitchFamily="34" charset="-128"/>
+                <a:ea typeface="Hiragino Kaku Gothic ProN W3" panose="020B0300000000000000" pitchFamily="34" charset="-128"/>
+              </a:rPr>
+              <a:t>無線局等情報検索アプリ</a:t>
+            </a:r>
+          </a:p>
+        </p:txBody>
+      </p:sp>
+      <p:pic>
+        <p:nvPicPr>
+          <p:cNvPr id="3" name="図 2" descr="アイコン&#10;&#10;自動的に生成された説明">
+            <a:extLst>
+              <a:ext uri="{FF2B5EF4-FFF2-40B4-BE49-F238E27FC236}">
+                <a16:creationId xmlns:a16="http://schemas.microsoft.com/office/drawing/2014/main" id="{E2C46326-D995-2BE2-BD4D-0AF001E69970}"/>
+              </a:ext>
+            </a:extLst>
+          </p:cNvPr>
+          <p:cNvPicPr>
+            <a:picLocks noChangeAspect="1"/>
+          </p:cNvPicPr>
+          <p:nvPr/>
+        </p:nvPicPr>
+        <p:blipFill>
+          <a:blip r:embed="rId3"/>
+          <a:stretch>
+            <a:fillRect/>
+          </a:stretch>
+        </p:blipFill>
+        <p:spPr>
+          <a:xfrm>
+            <a:off x="4772560" y="674913"/>
+            <a:ext cx="1323440" cy="1323440"/>
           </a:xfrm>
           <a:prstGeom prst="rect">
             <a:avLst/>
@@ -3700,10 +3770,10 @@
       </p:pic>
       <p:pic>
         <p:nvPicPr>
-          <p:cNvPr id="15" name="図 14" descr="グラフィカル ユーザー インターフェイス, アプリケーション, Teams&#10;&#10;自動的に生成された説明">
-            <a:extLst>
-              <a:ext uri="{FF2B5EF4-FFF2-40B4-BE49-F238E27FC236}">
-                <a16:creationId xmlns:a16="http://schemas.microsoft.com/office/drawing/2014/main" id="{19AF2E93-B884-2F85-2A95-806065A72768}"/>
+          <p:cNvPr id="5" name="図 4" descr="グラフィカル ユーザー インターフェイス, アプリケーション, Teams&#10;&#10;自動的に生成された説明">
+            <a:extLst>
+              <a:ext uri="{FF2B5EF4-FFF2-40B4-BE49-F238E27FC236}">
+                <a16:creationId xmlns:a16="http://schemas.microsoft.com/office/drawing/2014/main" id="{CA2973EA-53BB-22CB-EEF6-45721053FA84}"/>
               </a:ext>
             </a:extLst>
           </p:cNvPr>
@@ -3713,62 +3783,24 @@
           <p:nvPr/>
         </p:nvPicPr>
         <p:blipFill rotWithShape="1">
-          <a:blip r:embed="rId3"/>
-          <a:srcRect t="6211" b="43017"/>
+          <a:blip r:embed="rId4"/>
+          <a:srcRect t="6027" b="38611"/>
           <a:stretch/>
         </p:blipFill>
         <p:spPr>
           <a:xfrm>
-            <a:off x="5880959" y="1505911"/>
-            <a:ext cx="4925944" cy="5352090"/>
+            <a:off x="7067716" y="1598243"/>
+            <a:ext cx="4439665" cy="5259757"/>
           </a:xfrm>
           <a:prstGeom prst="rect">
             <a:avLst/>
           </a:prstGeom>
         </p:spPr>
       </p:pic>
-      <p:sp>
-        <p:nvSpPr>
-          <p:cNvPr id="16" name="テキスト ボックス 15">
-            <a:extLst>
-              <a:ext uri="{FF2B5EF4-FFF2-40B4-BE49-F238E27FC236}">
-                <a16:creationId xmlns:a16="http://schemas.microsoft.com/office/drawing/2014/main" id="{AAB775F4-4FD7-4F53-1570-9710A07AC6A7}"/>
-              </a:ext>
-            </a:extLst>
-          </p:cNvPr>
-          <p:cNvSpPr txBox="1"/>
-          <p:nvPr/>
-        </p:nvSpPr>
-        <p:spPr>
-          <a:xfrm>
-            <a:off x="1385097" y="1598243"/>
-            <a:ext cx="3005951" cy="400110"/>
-          </a:xfrm>
-          <a:prstGeom prst="rect">
-            <a:avLst/>
-          </a:prstGeom>
-          <a:noFill/>
-        </p:spPr>
-        <p:txBody>
-          <a:bodyPr wrap="none" rtlCol="0">
-            <a:spAutoFit/>
-          </a:bodyPr>
-          <a:lstStyle/>
-          <a:p>
-            <a:r>
-              <a:rPr kumimoji="1" lang="ja-JP" altLang="en-US" sz="2000">
-                <a:latin typeface="Hiragino Kaku Gothic ProN W3" panose="020B0300000000000000" pitchFamily="34" charset="-128"/>
-                <a:ea typeface="Hiragino Kaku Gothic ProN W3" panose="020B0300000000000000" pitchFamily="34" charset="-128"/>
-              </a:rPr>
-              <a:t>無線局等情報検索アプリ</a:t>
-            </a:r>
-          </a:p>
-        </p:txBody>
-      </p:sp>
     </p:spTree>
     <p:extLst>
       <p:ext uri="{BB962C8B-B14F-4D97-AF65-F5344CB8AC3E}">
-        <p14:creationId xmlns:p14="http://schemas.microsoft.com/office/powerpoint/2010/main" val="381384550"/>
+        <p14:creationId xmlns:p14="http://schemas.microsoft.com/office/powerpoint/2010/main" val="3913200996"/>
       </p:ext>
     </p:extLst>
   </p:cSld>
@@ -3795,6 +3827,175 @@
           <a:chExt cx="0" cy="0"/>
         </a:xfrm>
       </p:grpSpPr>
+      <p:sp>
+        <p:nvSpPr>
+          <p:cNvPr id="6" name="テキスト ボックス 5">
+            <a:extLst>
+              <a:ext uri="{FF2B5EF4-FFF2-40B4-BE49-F238E27FC236}">
+                <a16:creationId xmlns:a16="http://schemas.microsoft.com/office/drawing/2014/main" id="{B389B3CD-4CA5-4000-D688-390FB3087C8C}"/>
+              </a:ext>
+            </a:extLst>
+          </p:cNvPr>
+          <p:cNvSpPr txBox="1"/>
+          <p:nvPr/>
+        </p:nvSpPr>
+        <p:spPr>
+          <a:xfrm>
+            <a:off x="853410" y="674913"/>
+            <a:ext cx="3560975" cy="923330"/>
+          </a:xfrm>
+          <a:prstGeom prst="rect">
+            <a:avLst/>
+          </a:prstGeom>
+          <a:noFill/>
+        </p:spPr>
+        <p:txBody>
+          <a:bodyPr wrap="none" rtlCol="0">
+            <a:spAutoFit/>
+          </a:bodyPr>
+          <a:lstStyle/>
+          <a:p>
+            <a:r>
+              <a:rPr kumimoji="1" lang="en-US" altLang="ja-JP" sz="5400" dirty="0">
+                <a:latin typeface="Avenir Next Medium" panose="020B0503020202020204" pitchFamily="34" charset="0"/>
+                <a:ea typeface="Hiragino Kaku Gothic Std W8" panose="020B0800000000000000" pitchFamily="34" charset="-128"/>
+              </a:rPr>
+              <a:t>JA License</a:t>
+            </a:r>
+            <a:endParaRPr kumimoji="1" lang="ja-JP" altLang="en-US" sz="5400">
+              <a:latin typeface="Avenir Next Medium" panose="020B0503020202020204" pitchFamily="34" charset="0"/>
+              <a:ea typeface="Hiragino Kaku Gothic Std W8" panose="020B0800000000000000" pitchFamily="34" charset="-128"/>
+            </a:endParaRPr>
+          </a:p>
+        </p:txBody>
+      </p:sp>
+      <p:pic>
+        <p:nvPicPr>
+          <p:cNvPr id="8" name="図 7" descr="グラフィカル ユーザー インターフェイス, テキスト, メール, Web サイト&#10;&#10;自動的に生成された説明">
+            <a:extLst>
+              <a:ext uri="{FF2B5EF4-FFF2-40B4-BE49-F238E27FC236}">
+                <a16:creationId xmlns:a16="http://schemas.microsoft.com/office/drawing/2014/main" id="{40974A43-E30F-D97B-CA17-B290ABFF4167}"/>
+              </a:ext>
+            </a:extLst>
+          </p:cNvPr>
+          <p:cNvPicPr>
+            <a:picLocks noChangeAspect="1"/>
+          </p:cNvPicPr>
+          <p:nvPr/>
+        </p:nvPicPr>
+        <p:blipFill>
+          <a:blip r:embed="rId2"/>
+          <a:stretch>
+            <a:fillRect/>
+          </a:stretch>
+        </p:blipFill>
+        <p:spPr>
+          <a:xfrm>
+            <a:off x="1385097" y="3429000"/>
+            <a:ext cx="3390846" cy="2212946"/>
+          </a:xfrm>
+          <a:prstGeom prst="rect">
+            <a:avLst/>
+          </a:prstGeom>
+        </p:spPr>
+      </p:pic>
+      <p:pic>
+        <p:nvPicPr>
+          <p:cNvPr id="15" name="図 14" descr="グラフィカル ユーザー インターフェイス, アプリケーション, Teams&#10;&#10;自動的に生成された説明">
+            <a:extLst>
+              <a:ext uri="{FF2B5EF4-FFF2-40B4-BE49-F238E27FC236}">
+                <a16:creationId xmlns:a16="http://schemas.microsoft.com/office/drawing/2014/main" id="{19AF2E93-B884-2F85-2A95-806065A72768}"/>
+              </a:ext>
+            </a:extLst>
+          </p:cNvPr>
+          <p:cNvPicPr>
+            <a:picLocks noChangeAspect="1"/>
+          </p:cNvPicPr>
+          <p:nvPr/>
+        </p:nvPicPr>
+        <p:blipFill rotWithShape="1">
+          <a:blip r:embed="rId3"/>
+          <a:srcRect t="6211" b="43017"/>
+          <a:stretch/>
+        </p:blipFill>
+        <p:spPr>
+          <a:xfrm>
+            <a:off x="5880959" y="1505911"/>
+            <a:ext cx="4925944" cy="5352090"/>
+          </a:xfrm>
+          <a:prstGeom prst="rect">
+            <a:avLst/>
+          </a:prstGeom>
+        </p:spPr>
+      </p:pic>
+      <p:sp>
+        <p:nvSpPr>
+          <p:cNvPr id="16" name="テキスト ボックス 15">
+            <a:extLst>
+              <a:ext uri="{FF2B5EF4-FFF2-40B4-BE49-F238E27FC236}">
+                <a16:creationId xmlns:a16="http://schemas.microsoft.com/office/drawing/2014/main" id="{AAB775F4-4FD7-4F53-1570-9710A07AC6A7}"/>
+              </a:ext>
+            </a:extLst>
+          </p:cNvPr>
+          <p:cNvSpPr txBox="1"/>
+          <p:nvPr/>
+        </p:nvSpPr>
+        <p:spPr>
+          <a:xfrm>
+            <a:off x="1385097" y="1598243"/>
+            <a:ext cx="3005951" cy="400110"/>
+          </a:xfrm>
+          <a:prstGeom prst="rect">
+            <a:avLst/>
+          </a:prstGeom>
+          <a:noFill/>
+        </p:spPr>
+        <p:txBody>
+          <a:bodyPr wrap="none" rtlCol="0">
+            <a:spAutoFit/>
+          </a:bodyPr>
+          <a:lstStyle/>
+          <a:p>
+            <a:r>
+              <a:rPr kumimoji="1" lang="ja-JP" altLang="en-US" sz="2000">
+                <a:latin typeface="Hiragino Kaku Gothic ProN W3" panose="020B0300000000000000" pitchFamily="34" charset="-128"/>
+                <a:ea typeface="Hiragino Kaku Gothic ProN W3" panose="020B0300000000000000" pitchFamily="34" charset="-128"/>
+              </a:rPr>
+              <a:t>無線局等情報検索アプリ</a:t>
+            </a:r>
+          </a:p>
+        </p:txBody>
+      </p:sp>
+    </p:spTree>
+    <p:extLst>
+      <p:ext uri="{BB962C8B-B14F-4D97-AF65-F5344CB8AC3E}">
+        <p14:creationId xmlns:p14="http://schemas.microsoft.com/office/powerpoint/2010/main" val="381384550"/>
+      </p:ext>
+    </p:extLst>
+  </p:cSld>
+  <p:clrMapOvr>
+    <a:masterClrMapping/>
+  </p:clrMapOvr>
+</p:sld>
+</file>
+
+<file path=ppt/slides/slide3.xml><?xml version="1.0" encoding="utf-8"?>
+<p:sld xmlns:a="http://schemas.openxmlformats.org/drawingml/2006/main" xmlns:r="http://schemas.openxmlformats.org/officeDocument/2006/relationships" xmlns:p="http://schemas.openxmlformats.org/presentationml/2006/main">
+  <p:cSld>
+    <p:spTree>
+      <p:nvGrpSpPr>
+        <p:cNvPr id="1" name=""/>
+        <p:cNvGrpSpPr/>
+        <p:nvPr/>
+      </p:nvGrpSpPr>
+      <p:grpSpPr>
+        <a:xfrm>
+          <a:off x="0" y="0"/>
+          <a:ext cx="0" cy="0"/>
+          <a:chOff x="0" y="0"/>
+          <a:chExt cx="0" cy="0"/>
+        </a:xfrm>
+      </p:grpSpPr>
       <p:pic>
         <p:nvPicPr>
           <p:cNvPr id="3" name="図 2" descr="グラフィカル ユーザー インターフェイス, アプリケーション, Teams&#10;&#10;自動的に生成された説明">
@@ -3857,6 +4058,65 @@
     <p:extLst>
       <p:ext uri="{BB962C8B-B14F-4D97-AF65-F5344CB8AC3E}">
         <p14:creationId xmlns:p14="http://schemas.microsoft.com/office/powerpoint/2010/main" val="582600472"/>
+      </p:ext>
+    </p:extLst>
+  </p:cSld>
+  <p:clrMapOvr>
+    <a:masterClrMapping/>
+  </p:clrMapOvr>
+</p:sld>
+</file>
+
+<file path=ppt/slides/slide4.xml><?xml version="1.0" encoding="utf-8"?>
+<p:sld xmlns:a="http://schemas.openxmlformats.org/drawingml/2006/main" xmlns:r="http://schemas.openxmlformats.org/officeDocument/2006/relationships" xmlns:p="http://schemas.openxmlformats.org/presentationml/2006/main">
+  <p:cSld>
+    <p:spTree>
+      <p:nvGrpSpPr>
+        <p:cNvPr id="1" name=""/>
+        <p:cNvGrpSpPr/>
+        <p:nvPr/>
+      </p:nvGrpSpPr>
+      <p:grpSpPr>
+        <a:xfrm>
+          <a:off x="0" y="0"/>
+          <a:ext cx="0" cy="0"/>
+          <a:chOff x="0" y="0"/>
+          <a:chExt cx="0" cy="0"/>
+        </a:xfrm>
+      </p:grpSpPr>
+      <p:pic>
+        <p:nvPicPr>
+          <p:cNvPr id="3" name="図 2" descr="グラフィカル ユーザー インターフェイス, アプリケーション, Teams&#10;&#10;自動的に生成された説明">
+            <a:extLst>
+              <a:ext uri="{FF2B5EF4-FFF2-40B4-BE49-F238E27FC236}">
+                <a16:creationId xmlns:a16="http://schemas.microsoft.com/office/drawing/2014/main" id="{B62DA96A-B6F2-20ED-D9F4-753473624888}"/>
+              </a:ext>
+            </a:extLst>
+          </p:cNvPr>
+          <p:cNvPicPr>
+            <a:picLocks noChangeAspect="1"/>
+          </p:cNvPicPr>
+          <p:nvPr/>
+        </p:nvPicPr>
+        <p:blipFill rotWithShape="1">
+          <a:blip r:embed="rId2"/>
+          <a:srcRect t="6027"/>
+          <a:stretch/>
+        </p:blipFill>
+        <p:spPr>
+          <a:xfrm>
+            <a:off x="4493629" y="413358"/>
+            <a:ext cx="3204741" cy="6444641"/>
+          </a:xfrm>
+          <a:prstGeom prst="rect">
+            <a:avLst/>
+          </a:prstGeom>
+        </p:spPr>
+      </p:pic>
+    </p:spTree>
+    <p:extLst>
+      <p:ext uri="{BB962C8B-B14F-4D97-AF65-F5344CB8AC3E}">
+        <p14:creationId xmlns:p14="http://schemas.microsoft.com/office/powerpoint/2010/main" val="3365927488"/>
       </p:ext>
     </p:extLst>
   </p:cSld>
